--- a/Angular.pptx
+++ b/Angular.pptx
@@ -10,7 +10,8 @@
     <p:sldId id="270" r:id="rId4"/>
     <p:sldId id="271" r:id="rId5"/>
     <p:sldId id="272" r:id="rId6"/>
-    <p:sldId id="269" r:id="rId7"/>
+    <p:sldId id="273" r:id="rId7"/>
+    <p:sldId id="269" r:id="rId8"/>
   </p:sldIdLst>
   <p:sldSz cx="9144000" cy="6858000" type="screen4x3"/>
   <p:notesSz cx="6858000" cy="9144000"/>
@@ -300,7 +301,7 @@
           <a:p>
             <a:fld id="{8F235549-BF0A-4B98-8561-3786244E808C}" type="datetimeFigureOut">
               <a:rPr lang="en-US" smtClean="0"/>
-              <a:t>2/12/2018</a:t>
+              <a:t>2/13/2018</a:t>
             </a:fld>
             <a:endParaRPr lang="en-US"/>
           </a:p>
@@ -500,7 +501,7 @@
           <a:p>
             <a:fld id="{8F235549-BF0A-4B98-8561-3786244E808C}" type="datetimeFigureOut">
               <a:rPr lang="en-US" smtClean="0"/>
-              <a:t>2/12/2018</a:t>
+              <a:t>2/13/2018</a:t>
             </a:fld>
             <a:endParaRPr lang="en-US"/>
           </a:p>
@@ -675,7 +676,7 @@
           <a:p>
             <a:fld id="{8F235549-BF0A-4B98-8561-3786244E808C}" type="datetimeFigureOut">
               <a:rPr lang="en-US" smtClean="0"/>
-              <a:t>2/12/2018</a:t>
+              <a:t>2/13/2018</a:t>
             </a:fld>
             <a:endParaRPr lang="en-US"/>
           </a:p>
@@ -840,7 +841,7 @@
           <a:p>
             <a:fld id="{8F235549-BF0A-4B98-8561-3786244E808C}" type="datetimeFigureOut">
               <a:rPr lang="en-US" smtClean="0"/>
-              <a:t>2/12/2018</a:t>
+              <a:t>2/13/2018</a:t>
             </a:fld>
             <a:endParaRPr lang="en-US"/>
           </a:p>
@@ -1088,7 +1089,7 @@
           <a:p>
             <a:fld id="{8F235549-BF0A-4B98-8561-3786244E808C}" type="datetimeFigureOut">
               <a:rPr lang="en-US" smtClean="0"/>
-              <a:t>2/12/2018</a:t>
+              <a:t>2/13/2018</a:t>
             </a:fld>
             <a:endParaRPr lang="en-US"/>
           </a:p>
@@ -1406,7 +1407,7 @@
           <a:p>
             <a:fld id="{8F235549-BF0A-4B98-8561-3786244E808C}" type="datetimeFigureOut">
               <a:rPr lang="en-US" smtClean="0"/>
-              <a:t>2/12/2018</a:t>
+              <a:t>2/13/2018</a:t>
             </a:fld>
             <a:endParaRPr lang="en-US"/>
           </a:p>
@@ -1872,7 +1873,7 @@
           <a:p>
             <a:fld id="{8F235549-BF0A-4B98-8561-3786244E808C}" type="datetimeFigureOut">
               <a:rPr lang="en-US" smtClean="0"/>
-              <a:t>2/12/2018</a:t>
+              <a:t>2/13/2018</a:t>
             </a:fld>
             <a:endParaRPr lang="en-US"/>
           </a:p>
@@ -2020,7 +2021,7 @@
           <a:p>
             <a:fld id="{8F235549-BF0A-4B98-8561-3786244E808C}" type="datetimeFigureOut">
               <a:rPr lang="en-US" smtClean="0"/>
-              <a:t>2/12/2018</a:t>
+              <a:t>2/13/2018</a:t>
             </a:fld>
             <a:endParaRPr lang="en-US"/>
           </a:p>
@@ -2110,7 +2111,7 @@
           <a:p>
             <a:fld id="{8F235549-BF0A-4B98-8561-3786244E808C}" type="datetimeFigureOut">
               <a:rPr lang="en-US" smtClean="0"/>
-              <a:t>2/12/2018</a:t>
+              <a:t>2/13/2018</a:t>
             </a:fld>
             <a:endParaRPr lang="en-US"/>
           </a:p>
@@ -2384,7 +2385,7 @@
           <a:p>
             <a:fld id="{8F235549-BF0A-4B98-8561-3786244E808C}" type="datetimeFigureOut">
               <a:rPr lang="en-US" smtClean="0"/>
-              <a:t>2/12/2018</a:t>
+              <a:t>2/13/2018</a:t>
             </a:fld>
             <a:endParaRPr lang="en-US"/>
           </a:p>
@@ -2689,7 +2690,7 @@
           <a:p>
             <a:fld id="{8F235549-BF0A-4B98-8561-3786244E808C}" type="datetimeFigureOut">
               <a:rPr lang="en-US" smtClean="0"/>
-              <a:t>2/12/2018</a:t>
+              <a:t>2/13/2018</a:t>
             </a:fld>
             <a:endParaRPr lang="en-US"/>
           </a:p>
@@ -2987,7 +2988,7 @@
           <a:p>
             <a:fld id="{8F235549-BF0A-4B98-8561-3786244E808C}" type="datetimeFigureOut">
               <a:rPr lang="en-US" smtClean="0"/>
-              <a:t>2/12/2018</a:t>
+              <a:t>2/13/2018</a:t>
             </a:fld>
             <a:endParaRPr lang="en-US"/>
           </a:p>
@@ -4235,11 +4236,7 @@
             </a:r>
             <a:r>
               <a:rPr lang="en-GB" sz="1600" dirty="0"/>
-              <a:t>, produce and consume RxJS </a:t>
-            </a:r>
-            <a:r>
-              <a:rPr lang="en-GB" sz="1600" dirty="0"/>
-              <a:t>Observables</a:t>
+              <a:t>, produce and consume RxJS Observables</a:t>
             </a:r>
             <a:r>
               <a:rPr lang="en-GB" sz="1600" dirty="0" smtClean="0"/>
@@ -4303,7 +4300,7 @@
           <a:p>
             <a:r>
               <a:rPr lang="en-US" dirty="0" smtClean="0"/>
-              <a:t>References</a:t>
+              <a:t>Passing values between components</a:t>
             </a:r>
             <a:endParaRPr lang="en-US" dirty="0"/>
           </a:p>
@@ -4327,8 +4324,236 @@
           <a:lstStyle/>
           <a:p>
             <a:r>
+              <a:rPr lang="en-GB" sz="1600" b="1" dirty="0" smtClean="0"/>
+              <a:t>Service </a:t>
+            </a:r>
+            <a:r>
+              <a:rPr lang="en-GB" sz="1600" dirty="0" smtClean="0"/>
+              <a:t>should be used to pass values from one component to another</a:t>
+            </a:r>
+          </a:p>
+          <a:p>
+            <a:r>
+              <a:rPr lang="en-GB" sz="1600" dirty="0" smtClean="0"/>
+              <a:t>Receiving component:-</a:t>
+            </a:r>
+          </a:p>
+          <a:p>
+            <a:pPr marL="0" indent="0">
+              <a:buNone/>
+            </a:pPr>
+            <a:r>
+              <a:rPr lang="en-GB" sz="1600" dirty="0" err="1"/>
+              <a:t>ngOnInit</a:t>
+            </a:r>
+            <a:r>
+              <a:rPr lang="en-GB" sz="1600" dirty="0"/>
+              <a:t>() { </a:t>
+            </a:r>
+            <a:endParaRPr lang="en-GB" sz="1600" dirty="0" smtClean="0"/>
+          </a:p>
+          <a:p>
+            <a:pPr marL="0" indent="0">
+              <a:buNone/>
+            </a:pPr>
+            <a:r>
+              <a:rPr lang="en-GB" sz="1600" dirty="0" smtClean="0"/>
+              <a:t>	</a:t>
+            </a:r>
+            <a:r>
+              <a:rPr lang="en-GB" sz="1600" dirty="0" err="1" smtClean="0"/>
+              <a:t>this.myService.currentMessage.subscribe</a:t>
+            </a:r>
+            <a:r>
+              <a:rPr lang="en-GB" sz="1600" dirty="0" smtClean="0"/>
+              <a:t>(message </a:t>
+            </a:r>
+            <a:r>
+              <a:rPr lang="en-GB" sz="1600" dirty="0"/>
+              <a:t>=&gt; </a:t>
+            </a:r>
+            <a:r>
+              <a:rPr lang="en-GB" sz="1600" dirty="0" err="1"/>
+              <a:t>this.message</a:t>
+            </a:r>
+            <a:r>
+              <a:rPr lang="en-GB" sz="1600" dirty="0"/>
+              <a:t> = message); </a:t>
+            </a:r>
+            <a:endParaRPr lang="en-GB" sz="1600" dirty="0" smtClean="0"/>
+          </a:p>
+          <a:p>
+            <a:pPr marL="0" indent="0">
+              <a:buNone/>
+            </a:pPr>
+            <a:r>
+              <a:rPr lang="en-GB" sz="1600" dirty="0" smtClean="0"/>
+              <a:t>}</a:t>
+            </a:r>
+          </a:p>
+          <a:p>
+            <a:r>
+              <a:rPr lang="en-GB" sz="1600" dirty="0" smtClean="0"/>
+              <a:t>Sending component:-</a:t>
+            </a:r>
+          </a:p>
+          <a:p>
+            <a:pPr marL="0" indent="0">
+              <a:buNone/>
+            </a:pPr>
+            <a:r>
+              <a:rPr lang="en-GB" sz="1600" dirty="0" err="1"/>
+              <a:t>sendMessage</a:t>
+            </a:r>
+            <a:r>
+              <a:rPr lang="en-GB" sz="1600" dirty="0"/>
+              <a:t>(message: </a:t>
+            </a:r>
+            <a:r>
+              <a:rPr lang="en-GB" sz="1600" dirty="0" err="1"/>
+              <a:t>type_of_the_message</a:t>
+            </a:r>
+            <a:r>
+              <a:rPr lang="en-GB" sz="1600" dirty="0"/>
+              <a:t>) { </a:t>
+            </a:r>
+            <a:endParaRPr lang="en-GB" sz="1600" dirty="0" smtClean="0"/>
+          </a:p>
+          <a:p>
+            <a:pPr marL="0" indent="0">
+              <a:buNone/>
+            </a:pPr>
+            <a:r>
+              <a:rPr lang="en-GB" sz="1600" dirty="0"/>
+              <a:t>	</a:t>
+            </a:r>
+            <a:r>
+              <a:rPr lang="en-GB" sz="1600" dirty="0" err="1" smtClean="0"/>
+              <a:t>this.messageSource.next</a:t>
+            </a:r>
+            <a:r>
+              <a:rPr lang="en-GB" sz="1600" dirty="0" smtClean="0"/>
+              <a:t>(message</a:t>
+            </a:r>
+            <a:r>
+              <a:rPr lang="en-GB" sz="1600" dirty="0"/>
+              <a:t>); </a:t>
+            </a:r>
+            <a:endParaRPr lang="en-GB" sz="1600" dirty="0" smtClean="0"/>
+          </a:p>
+          <a:p>
+            <a:pPr marL="0" indent="0">
+              <a:buNone/>
+            </a:pPr>
+            <a:r>
+              <a:rPr lang="en-GB" sz="1600" dirty="0" smtClean="0"/>
+              <a:t>}</a:t>
+            </a:r>
+            <a:endParaRPr lang="en-GB" sz="1600" dirty="0"/>
+          </a:p>
+          <a:p>
+            <a:pPr marL="0" indent="0">
+              <a:buNone/>
+            </a:pPr>
+            <a:endParaRPr lang="en-GB" sz="1600" dirty="0"/>
+          </a:p>
+        </p:txBody>
+      </p:sp>
+    </p:spTree>
+    <p:extLst>
+      <p:ext uri="{BB962C8B-B14F-4D97-AF65-F5344CB8AC3E}">
+        <p14:creationId xmlns:p14="http://schemas.microsoft.com/office/powerpoint/2010/main" val="2441013828"/>
+      </p:ext>
+    </p:extLst>
+  </p:cSld>
+  <p:clrMapOvr>
+    <a:masterClrMapping/>
+  </p:clrMapOvr>
+  <p:timing>
+    <p:tnLst>
+      <p:par>
+        <p:cTn id="1" dur="indefinite" restart="never" nodeType="tmRoot"/>
+      </p:par>
+    </p:tnLst>
+  </p:timing>
+</p:sld>
+</file>
+
+<file path=ppt/slides/slide7.xml><?xml version="1.0" encoding="utf-8"?>
+<p:sld xmlns:a="http://schemas.openxmlformats.org/drawingml/2006/main" xmlns:r="http://schemas.openxmlformats.org/officeDocument/2006/relationships" xmlns:p="http://schemas.openxmlformats.org/presentationml/2006/main">
+  <p:cSld>
+    <p:spTree>
+      <p:nvGrpSpPr>
+        <p:cNvPr id="1" name=""/>
+        <p:cNvGrpSpPr/>
+        <p:nvPr/>
+      </p:nvGrpSpPr>
+      <p:grpSpPr>
+        <a:xfrm>
+          <a:off x="0" y="0"/>
+          <a:ext cx="0" cy="0"/>
+          <a:chOff x="0" y="0"/>
+          <a:chExt cx="0" cy="0"/>
+        </a:xfrm>
+      </p:grpSpPr>
+      <p:sp>
+        <p:nvSpPr>
+          <p:cNvPr id="2" name="Title 1"/>
+          <p:cNvSpPr>
+            <a:spLocks noGrp="1"/>
+          </p:cNvSpPr>
+          <p:nvPr>
+            <p:ph type="title"/>
+          </p:nvPr>
+        </p:nvSpPr>
+        <p:spPr/>
+        <p:txBody>
+          <a:bodyPr/>
+          <a:lstStyle/>
+          <a:p>
+            <a:r>
+              <a:rPr lang="en-US" dirty="0" smtClean="0"/>
+              <a:t>References</a:t>
+            </a:r>
+            <a:endParaRPr lang="en-US" dirty="0"/>
+          </a:p>
+        </p:txBody>
+      </p:sp>
+      <p:sp>
+        <p:nvSpPr>
+          <p:cNvPr id="3" name="Content Placeholder 2"/>
+          <p:cNvSpPr>
+            <a:spLocks noGrp="1"/>
+          </p:cNvSpPr>
+          <p:nvPr>
+            <p:ph idx="1"/>
+          </p:nvPr>
+        </p:nvSpPr>
+        <p:spPr/>
+        <p:txBody>
+          <a:bodyPr>
+            <a:normAutofit/>
+          </a:bodyPr>
+          <a:lstStyle/>
+          <a:p>
+            <a:r>
+              <a:rPr lang="en-US" sz="1600" dirty="0">
+                <a:hlinkClick r:id="rId2"/>
+              </a:rPr>
+              <a:t>https://</a:t>
+            </a:r>
+            <a:r>
+              <a:rPr lang="en-US" sz="1600" dirty="0" smtClean="0">
+                <a:hlinkClick r:id="rId2"/>
+              </a:rPr>
+              <a:t>angular.io/guide/upgrade</a:t>
+            </a:r>
+            <a:endParaRPr lang="en-US" sz="1600" dirty="0" smtClean="0"/>
+          </a:p>
+          <a:p>
+            <a:r>
               <a:rPr lang="en-US" sz="1600" dirty="0"/>
-              <a:t>https://angular.io/guide/upgrade</a:t>
+              <a:t>https://stackoverflow.com/questions/48763221/angular-pass-parameter-to-another-component</a:t>
             </a:r>
             <a:endParaRPr lang="en-US" sz="1600" dirty="0" smtClean="0"/>
           </a:p>

--- a/Angular.pptx
+++ b/Angular.pptx
@@ -4329,8 +4329,17 @@
             </a:r>
             <a:r>
               <a:rPr lang="en-GB" sz="1600" dirty="0" smtClean="0"/>
-              <a:t>should be used to pass values from one component to another</a:t>
-            </a:r>
+              <a:t>should be used to pass values from one component to </a:t>
+            </a:r>
+            <a:r>
+              <a:rPr lang="en-GB" sz="1600" dirty="0" smtClean="0"/>
+              <a:t>another which is not in the </a:t>
+            </a:r>
+            <a:r>
+              <a:rPr lang="en-GB" sz="1600" smtClean="0"/>
+              <a:t>same hierarchy</a:t>
+            </a:r>
+            <a:endParaRPr lang="en-GB" sz="1600" dirty="0" smtClean="0"/>
           </a:p>
           <a:p>
             <a:r>

--- a/Angular.pptx
+++ b/Angular.pptx
@@ -4,6 +4,9 @@
   <p:sldMasterIdLst>
     <p:sldMasterId id="2147483732" r:id="rId1"/>
   </p:sldMasterIdLst>
+  <p:notesMasterIdLst>
+    <p:notesMasterId r:id="rId15"/>
+  </p:notesMasterIdLst>
   <p:sldIdLst>
     <p:sldId id="256" r:id="rId2"/>
     <p:sldId id="257" r:id="rId3"/>
@@ -11,7 +14,13 @@
     <p:sldId id="271" r:id="rId5"/>
     <p:sldId id="272" r:id="rId6"/>
     <p:sldId id="273" r:id="rId7"/>
-    <p:sldId id="269" r:id="rId8"/>
+    <p:sldId id="274" r:id="rId8"/>
+    <p:sldId id="275" r:id="rId9"/>
+    <p:sldId id="276" r:id="rId10"/>
+    <p:sldId id="278" r:id="rId11"/>
+    <p:sldId id="279" r:id="rId12"/>
+    <p:sldId id="280" r:id="rId13"/>
+    <p:sldId id="269" r:id="rId14"/>
   </p:sldIdLst>
   <p:sldSz cx="9144000" cy="6858000" type="screen4x3"/>
   <p:notesSz cx="6858000" cy="9144000"/>
@@ -113,6 +122,440 @@
 </p:presentation>
 </file>
 
+<file path=ppt/notesMasters/notesMaster1.xml><?xml version="1.0" encoding="utf-8"?>
+<p:notesMaster xmlns:a="http://schemas.openxmlformats.org/drawingml/2006/main" xmlns:r="http://schemas.openxmlformats.org/officeDocument/2006/relationships" xmlns:p="http://schemas.openxmlformats.org/presentationml/2006/main">
+  <p:cSld>
+    <p:bg>
+      <p:bgRef idx="1001">
+        <a:schemeClr val="bg1"/>
+      </p:bgRef>
+    </p:bg>
+    <p:spTree>
+      <p:nvGrpSpPr>
+        <p:cNvPr id="1" name=""/>
+        <p:cNvGrpSpPr/>
+        <p:nvPr/>
+      </p:nvGrpSpPr>
+      <p:grpSpPr>
+        <a:xfrm>
+          <a:off x="0" y="0"/>
+          <a:ext cx="0" cy="0"/>
+          <a:chOff x="0" y="0"/>
+          <a:chExt cx="0" cy="0"/>
+        </a:xfrm>
+      </p:grpSpPr>
+      <p:sp>
+        <p:nvSpPr>
+          <p:cNvPr id="2" name="Header Placeholder 1"/>
+          <p:cNvSpPr>
+            <a:spLocks noGrp="1"/>
+          </p:cNvSpPr>
+          <p:nvPr>
+            <p:ph type="hdr" sz="quarter"/>
+          </p:nvPr>
+        </p:nvSpPr>
+        <p:spPr>
+          <a:xfrm>
+            <a:off x="0" y="0"/>
+            <a:ext cx="2971800" cy="457200"/>
+          </a:xfrm>
+          <a:prstGeom prst="rect">
+            <a:avLst/>
+          </a:prstGeom>
+        </p:spPr>
+        <p:txBody>
+          <a:bodyPr vert="horz" lIns="91440" tIns="45720" rIns="91440" bIns="45720" rtlCol="0"/>
+          <a:lstStyle>
+            <a:lvl1pPr algn="l">
+              <a:defRPr sz="1200"/>
+            </a:lvl1pPr>
+          </a:lstStyle>
+          <a:p>
+            <a:endParaRPr lang="en-GB"/>
+          </a:p>
+        </p:txBody>
+      </p:sp>
+      <p:sp>
+        <p:nvSpPr>
+          <p:cNvPr id="3" name="Date Placeholder 2"/>
+          <p:cNvSpPr>
+            <a:spLocks noGrp="1"/>
+          </p:cNvSpPr>
+          <p:nvPr>
+            <p:ph type="dt" idx="1"/>
+          </p:nvPr>
+        </p:nvSpPr>
+        <p:spPr>
+          <a:xfrm>
+            <a:off x="3884613" y="0"/>
+            <a:ext cx="2971800" cy="457200"/>
+          </a:xfrm>
+          <a:prstGeom prst="rect">
+            <a:avLst/>
+          </a:prstGeom>
+        </p:spPr>
+        <p:txBody>
+          <a:bodyPr vert="horz" lIns="91440" tIns="45720" rIns="91440" bIns="45720" rtlCol="0"/>
+          <a:lstStyle>
+            <a:lvl1pPr algn="r">
+              <a:defRPr sz="1200"/>
+            </a:lvl1pPr>
+          </a:lstStyle>
+          <a:p>
+            <a:fld id="{A127BBA0-FB36-4FCE-BB28-8E2EEBE395B1}" type="datetimeFigureOut">
+              <a:rPr lang="en-GB" smtClean="0"/>
+              <a:t>27/04/2018</a:t>
+            </a:fld>
+            <a:endParaRPr lang="en-GB"/>
+          </a:p>
+        </p:txBody>
+      </p:sp>
+      <p:sp>
+        <p:nvSpPr>
+          <p:cNvPr id="4" name="Slide Image Placeholder 3"/>
+          <p:cNvSpPr>
+            <a:spLocks noGrp="1" noRot="1" noChangeAspect="1"/>
+          </p:cNvSpPr>
+          <p:nvPr>
+            <p:ph type="sldImg" idx="2"/>
+          </p:nvPr>
+        </p:nvSpPr>
+        <p:spPr>
+          <a:xfrm>
+            <a:off x="1143000" y="685800"/>
+            <a:ext cx="4572000" cy="3429000"/>
+          </a:xfrm>
+          <a:prstGeom prst="rect">
+            <a:avLst/>
+          </a:prstGeom>
+          <a:noFill/>
+          <a:ln w="12700">
+            <a:solidFill>
+              <a:prstClr val="black"/>
+            </a:solidFill>
+          </a:ln>
+        </p:spPr>
+        <p:txBody>
+          <a:bodyPr vert="horz" lIns="91440" tIns="45720" rIns="91440" bIns="45720" rtlCol="0" anchor="ctr"/>
+          <a:lstStyle/>
+          <a:p>
+            <a:endParaRPr lang="en-GB"/>
+          </a:p>
+        </p:txBody>
+      </p:sp>
+      <p:sp>
+        <p:nvSpPr>
+          <p:cNvPr id="5" name="Notes Placeholder 4"/>
+          <p:cNvSpPr>
+            <a:spLocks noGrp="1"/>
+          </p:cNvSpPr>
+          <p:nvPr>
+            <p:ph type="body" sz="quarter" idx="3"/>
+          </p:nvPr>
+        </p:nvSpPr>
+        <p:spPr>
+          <a:xfrm>
+            <a:off x="685800" y="4343400"/>
+            <a:ext cx="5486400" cy="4114800"/>
+          </a:xfrm>
+          <a:prstGeom prst="rect">
+            <a:avLst/>
+          </a:prstGeom>
+        </p:spPr>
+        <p:txBody>
+          <a:bodyPr vert="horz" lIns="91440" tIns="45720" rIns="91440" bIns="45720" rtlCol="0"/>
+          <a:lstStyle/>
+          <a:p>
+            <a:pPr lvl="0"/>
+            <a:r>
+              <a:rPr lang="en-US" smtClean="0"/>
+              <a:t>Click to edit Master text styles</a:t>
+            </a:r>
+          </a:p>
+          <a:p>
+            <a:pPr lvl="1"/>
+            <a:r>
+              <a:rPr lang="en-US" smtClean="0"/>
+              <a:t>Second level</a:t>
+            </a:r>
+          </a:p>
+          <a:p>
+            <a:pPr lvl="2"/>
+            <a:r>
+              <a:rPr lang="en-US" smtClean="0"/>
+              <a:t>Third level</a:t>
+            </a:r>
+          </a:p>
+          <a:p>
+            <a:pPr lvl="3"/>
+            <a:r>
+              <a:rPr lang="en-US" smtClean="0"/>
+              <a:t>Fourth level</a:t>
+            </a:r>
+          </a:p>
+          <a:p>
+            <a:pPr lvl="4"/>
+            <a:r>
+              <a:rPr lang="en-US" smtClean="0"/>
+              <a:t>Fifth level</a:t>
+            </a:r>
+            <a:endParaRPr lang="en-GB"/>
+          </a:p>
+        </p:txBody>
+      </p:sp>
+      <p:sp>
+        <p:nvSpPr>
+          <p:cNvPr id="6" name="Footer Placeholder 5"/>
+          <p:cNvSpPr>
+            <a:spLocks noGrp="1"/>
+          </p:cNvSpPr>
+          <p:nvPr>
+            <p:ph type="ftr" sz="quarter" idx="4"/>
+          </p:nvPr>
+        </p:nvSpPr>
+        <p:spPr>
+          <a:xfrm>
+            <a:off x="0" y="8685213"/>
+            <a:ext cx="2971800" cy="457200"/>
+          </a:xfrm>
+          <a:prstGeom prst="rect">
+            <a:avLst/>
+          </a:prstGeom>
+        </p:spPr>
+        <p:txBody>
+          <a:bodyPr vert="horz" lIns="91440" tIns="45720" rIns="91440" bIns="45720" rtlCol="0" anchor="b"/>
+          <a:lstStyle>
+            <a:lvl1pPr algn="l">
+              <a:defRPr sz="1200"/>
+            </a:lvl1pPr>
+          </a:lstStyle>
+          <a:p>
+            <a:endParaRPr lang="en-GB"/>
+          </a:p>
+        </p:txBody>
+      </p:sp>
+      <p:sp>
+        <p:nvSpPr>
+          <p:cNvPr id="7" name="Slide Number Placeholder 6"/>
+          <p:cNvSpPr>
+            <a:spLocks noGrp="1"/>
+          </p:cNvSpPr>
+          <p:nvPr>
+            <p:ph type="sldNum" sz="quarter" idx="5"/>
+          </p:nvPr>
+        </p:nvSpPr>
+        <p:spPr>
+          <a:xfrm>
+            <a:off x="3884613" y="8685213"/>
+            <a:ext cx="2971800" cy="457200"/>
+          </a:xfrm>
+          <a:prstGeom prst="rect">
+            <a:avLst/>
+          </a:prstGeom>
+        </p:spPr>
+        <p:txBody>
+          <a:bodyPr vert="horz" lIns="91440" tIns="45720" rIns="91440" bIns="45720" rtlCol="0" anchor="b"/>
+          <a:lstStyle>
+            <a:lvl1pPr algn="r">
+              <a:defRPr sz="1200"/>
+            </a:lvl1pPr>
+          </a:lstStyle>
+          <a:p>
+            <a:fld id="{2CDFE857-97FB-46E6-BA9A-714EACC61F3E}" type="slidenum">
+              <a:rPr lang="en-GB" smtClean="0"/>
+              <a:t>‹#›</a:t>
+            </a:fld>
+            <a:endParaRPr lang="en-GB"/>
+          </a:p>
+        </p:txBody>
+      </p:sp>
+    </p:spTree>
+    <p:extLst>
+      <p:ext uri="{BB962C8B-B14F-4D97-AF65-F5344CB8AC3E}">
+        <p14:creationId xmlns:p14="http://schemas.microsoft.com/office/powerpoint/2010/main" val="3832086730"/>
+      </p:ext>
+    </p:extLst>
+  </p:cSld>
+  <p:clrMap bg1="lt1" tx1="dk1" bg2="lt2" tx2="dk2" accent1="accent1" accent2="accent2" accent3="accent3" accent4="accent4" accent5="accent5" accent6="accent6" hlink="hlink" folHlink="folHlink"/>
+  <p:notesStyle>
+    <a:lvl1pPr marL="0" algn="l" defTabSz="914400" rtl="0" eaLnBrk="1" latinLnBrk="0" hangingPunct="1">
+      <a:defRPr sz="1200" kern="1200">
+        <a:solidFill>
+          <a:schemeClr val="tx1"/>
+        </a:solidFill>
+        <a:latin typeface="+mn-lt"/>
+        <a:ea typeface="+mn-ea"/>
+        <a:cs typeface="+mn-cs"/>
+      </a:defRPr>
+    </a:lvl1pPr>
+    <a:lvl2pPr marL="457200" algn="l" defTabSz="914400" rtl="0" eaLnBrk="1" latinLnBrk="0" hangingPunct="1">
+      <a:defRPr sz="1200" kern="1200">
+        <a:solidFill>
+          <a:schemeClr val="tx1"/>
+        </a:solidFill>
+        <a:latin typeface="+mn-lt"/>
+        <a:ea typeface="+mn-ea"/>
+        <a:cs typeface="+mn-cs"/>
+      </a:defRPr>
+    </a:lvl2pPr>
+    <a:lvl3pPr marL="914400" algn="l" defTabSz="914400" rtl="0" eaLnBrk="1" latinLnBrk="0" hangingPunct="1">
+      <a:defRPr sz="1200" kern="1200">
+        <a:solidFill>
+          <a:schemeClr val="tx1"/>
+        </a:solidFill>
+        <a:latin typeface="+mn-lt"/>
+        <a:ea typeface="+mn-ea"/>
+        <a:cs typeface="+mn-cs"/>
+      </a:defRPr>
+    </a:lvl3pPr>
+    <a:lvl4pPr marL="1371600" algn="l" defTabSz="914400" rtl="0" eaLnBrk="1" latinLnBrk="0" hangingPunct="1">
+      <a:defRPr sz="1200" kern="1200">
+        <a:solidFill>
+          <a:schemeClr val="tx1"/>
+        </a:solidFill>
+        <a:latin typeface="+mn-lt"/>
+        <a:ea typeface="+mn-ea"/>
+        <a:cs typeface="+mn-cs"/>
+      </a:defRPr>
+    </a:lvl4pPr>
+    <a:lvl5pPr marL="1828800" algn="l" defTabSz="914400" rtl="0" eaLnBrk="1" latinLnBrk="0" hangingPunct="1">
+      <a:defRPr sz="1200" kern="1200">
+        <a:solidFill>
+          <a:schemeClr val="tx1"/>
+        </a:solidFill>
+        <a:latin typeface="+mn-lt"/>
+        <a:ea typeface="+mn-ea"/>
+        <a:cs typeface="+mn-cs"/>
+      </a:defRPr>
+    </a:lvl5pPr>
+    <a:lvl6pPr marL="2286000" algn="l" defTabSz="914400" rtl="0" eaLnBrk="1" latinLnBrk="0" hangingPunct="1">
+      <a:defRPr sz="1200" kern="1200">
+        <a:solidFill>
+          <a:schemeClr val="tx1"/>
+        </a:solidFill>
+        <a:latin typeface="+mn-lt"/>
+        <a:ea typeface="+mn-ea"/>
+        <a:cs typeface="+mn-cs"/>
+      </a:defRPr>
+    </a:lvl6pPr>
+    <a:lvl7pPr marL="2743200" algn="l" defTabSz="914400" rtl="0" eaLnBrk="1" latinLnBrk="0" hangingPunct="1">
+      <a:defRPr sz="1200" kern="1200">
+        <a:solidFill>
+          <a:schemeClr val="tx1"/>
+        </a:solidFill>
+        <a:latin typeface="+mn-lt"/>
+        <a:ea typeface="+mn-ea"/>
+        <a:cs typeface="+mn-cs"/>
+      </a:defRPr>
+    </a:lvl7pPr>
+    <a:lvl8pPr marL="3200400" algn="l" defTabSz="914400" rtl="0" eaLnBrk="1" latinLnBrk="0" hangingPunct="1">
+      <a:defRPr sz="1200" kern="1200">
+        <a:solidFill>
+          <a:schemeClr val="tx1"/>
+        </a:solidFill>
+        <a:latin typeface="+mn-lt"/>
+        <a:ea typeface="+mn-ea"/>
+        <a:cs typeface="+mn-cs"/>
+      </a:defRPr>
+    </a:lvl8pPr>
+    <a:lvl9pPr marL="3657600" algn="l" defTabSz="914400" rtl="0" eaLnBrk="1" latinLnBrk="0" hangingPunct="1">
+      <a:defRPr sz="1200" kern="1200">
+        <a:solidFill>
+          <a:schemeClr val="tx1"/>
+        </a:solidFill>
+        <a:latin typeface="+mn-lt"/>
+        <a:ea typeface="+mn-ea"/>
+        <a:cs typeface="+mn-cs"/>
+      </a:defRPr>
+    </a:lvl9pPr>
+  </p:notesStyle>
+</p:notesMaster>
+</file>
+
+<file path=ppt/notesSlides/notesSlide1.xml><?xml version="1.0" encoding="utf-8"?>
+<p:notes xmlns:a="http://schemas.openxmlformats.org/drawingml/2006/main" xmlns:r="http://schemas.openxmlformats.org/officeDocument/2006/relationships" xmlns:p="http://schemas.openxmlformats.org/presentationml/2006/main">
+  <p:cSld>
+    <p:spTree>
+      <p:nvGrpSpPr>
+        <p:cNvPr id="1" name=""/>
+        <p:cNvGrpSpPr/>
+        <p:nvPr/>
+      </p:nvGrpSpPr>
+      <p:grpSpPr>
+        <a:xfrm>
+          <a:off x="0" y="0"/>
+          <a:ext cx="0" cy="0"/>
+          <a:chOff x="0" y="0"/>
+          <a:chExt cx="0" cy="0"/>
+        </a:xfrm>
+      </p:grpSpPr>
+      <p:sp>
+        <p:nvSpPr>
+          <p:cNvPr id="2" name="Slide Image Placeholder 1"/>
+          <p:cNvSpPr>
+            <a:spLocks noGrp="1" noRot="1" noChangeAspect="1"/>
+          </p:cNvSpPr>
+          <p:nvPr>
+            <p:ph type="sldImg"/>
+          </p:nvPr>
+        </p:nvSpPr>
+        <p:spPr/>
+      </p:sp>
+      <p:sp>
+        <p:nvSpPr>
+          <p:cNvPr id="3" name="Notes Placeholder 2"/>
+          <p:cNvSpPr>
+            <a:spLocks noGrp="1"/>
+          </p:cNvSpPr>
+          <p:nvPr>
+            <p:ph type="body" idx="1"/>
+          </p:nvPr>
+        </p:nvSpPr>
+        <p:spPr/>
+        <p:txBody>
+          <a:bodyPr/>
+          <a:lstStyle/>
+          <a:p>
+            <a:endParaRPr lang="en-GB" dirty="0"/>
+          </a:p>
+        </p:txBody>
+      </p:sp>
+      <p:sp>
+        <p:nvSpPr>
+          <p:cNvPr id="4" name="Slide Number Placeholder 3"/>
+          <p:cNvSpPr>
+            <a:spLocks noGrp="1"/>
+          </p:cNvSpPr>
+          <p:nvPr>
+            <p:ph type="sldNum" sz="quarter" idx="10"/>
+          </p:nvPr>
+        </p:nvSpPr>
+        <p:spPr/>
+        <p:txBody>
+          <a:bodyPr/>
+          <a:lstStyle/>
+          <a:p>
+            <a:fld id="{2CDFE857-97FB-46E6-BA9A-714EACC61F3E}" type="slidenum">
+              <a:rPr lang="en-GB" smtClean="0"/>
+              <a:t>4</a:t>
+            </a:fld>
+            <a:endParaRPr lang="en-GB"/>
+          </a:p>
+        </p:txBody>
+      </p:sp>
+    </p:spTree>
+    <p:extLst>
+      <p:ext uri="{BB962C8B-B14F-4D97-AF65-F5344CB8AC3E}">
+        <p14:creationId xmlns:p14="http://schemas.microsoft.com/office/powerpoint/2010/main" val="28427759"/>
+      </p:ext>
+    </p:extLst>
+  </p:cSld>
+  <p:clrMapOvr>
+    <a:masterClrMapping/>
+  </p:clrMapOvr>
+</p:notes>
+</file>
+
 <file path=ppt/slideLayouts/slideLayout1.xml><?xml version="1.0" encoding="utf-8"?>
 <p:sldLayout xmlns:a="http://schemas.openxmlformats.org/drawingml/2006/main" xmlns:r="http://schemas.openxmlformats.org/officeDocument/2006/relationships" xmlns:p="http://schemas.openxmlformats.org/presentationml/2006/main" type="title" preserve="1">
   <p:cSld name="Title Slide">
@@ -301,7 +744,7 @@
           <a:p>
             <a:fld id="{8F235549-BF0A-4B98-8561-3786244E808C}" type="datetimeFigureOut">
               <a:rPr lang="en-US" smtClean="0"/>
-              <a:t>2/13/2018</a:t>
+              <a:t>4/27/2018</a:t>
             </a:fld>
             <a:endParaRPr lang="en-US"/>
           </a:p>
@@ -501,7 +944,7 @@
           <a:p>
             <a:fld id="{8F235549-BF0A-4B98-8561-3786244E808C}" type="datetimeFigureOut">
               <a:rPr lang="en-US" smtClean="0"/>
-              <a:t>2/13/2018</a:t>
+              <a:t>4/27/2018</a:t>
             </a:fld>
             <a:endParaRPr lang="en-US"/>
           </a:p>
@@ -676,7 +1119,7 @@
           <a:p>
             <a:fld id="{8F235549-BF0A-4B98-8561-3786244E808C}" type="datetimeFigureOut">
               <a:rPr lang="en-US" smtClean="0"/>
-              <a:t>2/13/2018</a:t>
+              <a:t>4/27/2018</a:t>
             </a:fld>
             <a:endParaRPr lang="en-US"/>
           </a:p>
@@ -841,7 +1284,7 @@
           <a:p>
             <a:fld id="{8F235549-BF0A-4B98-8561-3786244E808C}" type="datetimeFigureOut">
               <a:rPr lang="en-US" smtClean="0"/>
-              <a:t>2/13/2018</a:t>
+              <a:t>4/27/2018</a:t>
             </a:fld>
             <a:endParaRPr lang="en-US"/>
           </a:p>
@@ -1089,7 +1532,7 @@
           <a:p>
             <a:fld id="{8F235549-BF0A-4B98-8561-3786244E808C}" type="datetimeFigureOut">
               <a:rPr lang="en-US" smtClean="0"/>
-              <a:t>2/13/2018</a:t>
+              <a:t>4/27/2018</a:t>
             </a:fld>
             <a:endParaRPr lang="en-US"/>
           </a:p>
@@ -1407,7 +1850,7 @@
           <a:p>
             <a:fld id="{8F235549-BF0A-4B98-8561-3786244E808C}" type="datetimeFigureOut">
               <a:rPr lang="en-US" smtClean="0"/>
-              <a:t>2/13/2018</a:t>
+              <a:t>4/27/2018</a:t>
             </a:fld>
             <a:endParaRPr lang="en-US"/>
           </a:p>
@@ -1873,7 +2316,7 @@
           <a:p>
             <a:fld id="{8F235549-BF0A-4B98-8561-3786244E808C}" type="datetimeFigureOut">
               <a:rPr lang="en-US" smtClean="0"/>
-              <a:t>2/13/2018</a:t>
+              <a:t>4/27/2018</a:t>
             </a:fld>
             <a:endParaRPr lang="en-US"/>
           </a:p>
@@ -2021,7 +2464,7 @@
           <a:p>
             <a:fld id="{8F235549-BF0A-4B98-8561-3786244E808C}" type="datetimeFigureOut">
               <a:rPr lang="en-US" smtClean="0"/>
-              <a:t>2/13/2018</a:t>
+              <a:t>4/27/2018</a:t>
             </a:fld>
             <a:endParaRPr lang="en-US"/>
           </a:p>
@@ -2111,7 +2554,7 @@
           <a:p>
             <a:fld id="{8F235549-BF0A-4B98-8561-3786244E808C}" type="datetimeFigureOut">
               <a:rPr lang="en-US" smtClean="0"/>
-              <a:t>2/13/2018</a:t>
+              <a:t>4/27/2018</a:t>
             </a:fld>
             <a:endParaRPr lang="en-US"/>
           </a:p>
@@ -2385,7 +2828,7 @@
           <a:p>
             <a:fld id="{8F235549-BF0A-4B98-8561-3786244E808C}" type="datetimeFigureOut">
               <a:rPr lang="en-US" smtClean="0"/>
-              <a:t>2/13/2018</a:t>
+              <a:t>4/27/2018</a:t>
             </a:fld>
             <a:endParaRPr lang="en-US"/>
           </a:p>
@@ -2690,7 +3133,7 @@
           <a:p>
             <a:fld id="{8F235549-BF0A-4B98-8561-3786244E808C}" type="datetimeFigureOut">
               <a:rPr lang="en-US" smtClean="0"/>
-              <a:t>2/13/2018</a:t>
+              <a:t>4/27/2018</a:t>
             </a:fld>
             <a:endParaRPr lang="en-US"/>
           </a:p>
@@ -2988,7 +3431,7 @@
           <a:p>
             <a:fld id="{8F235549-BF0A-4B98-8561-3786244E808C}" type="datetimeFigureOut">
               <a:rPr lang="en-US" smtClean="0"/>
-              <a:t>2/13/2018</a:t>
+              <a:t>4/27/2018</a:t>
             </a:fld>
             <a:endParaRPr lang="en-US"/>
           </a:p>
@@ -3412,6 +3855,493 @@
     <p:extLst>
       <p:ext uri="{BB962C8B-B14F-4D97-AF65-F5344CB8AC3E}">
         <p14:creationId xmlns:p14="http://schemas.microsoft.com/office/powerpoint/2010/main" val="448943379"/>
+      </p:ext>
+    </p:extLst>
+  </p:cSld>
+  <p:clrMapOvr>
+    <a:masterClrMapping/>
+  </p:clrMapOvr>
+  <p:timing>
+    <p:tnLst>
+      <p:par>
+        <p:cTn id="1" dur="indefinite" restart="never" nodeType="tmRoot"/>
+      </p:par>
+    </p:tnLst>
+  </p:timing>
+</p:sld>
+</file>
+
+<file path=ppt/slides/slide10.xml><?xml version="1.0" encoding="utf-8"?>
+<p:sld xmlns:a="http://schemas.openxmlformats.org/drawingml/2006/main" xmlns:r="http://schemas.openxmlformats.org/officeDocument/2006/relationships" xmlns:p="http://schemas.openxmlformats.org/presentationml/2006/main">
+  <p:cSld>
+    <p:spTree>
+      <p:nvGrpSpPr>
+        <p:cNvPr id="1" name=""/>
+        <p:cNvGrpSpPr/>
+        <p:nvPr/>
+      </p:nvGrpSpPr>
+      <p:grpSpPr>
+        <a:xfrm>
+          <a:off x="0" y="0"/>
+          <a:ext cx="0" cy="0"/>
+          <a:chOff x="0" y="0"/>
+          <a:chExt cx="0" cy="0"/>
+        </a:xfrm>
+      </p:grpSpPr>
+      <p:sp>
+        <p:nvSpPr>
+          <p:cNvPr id="2" name="Title 1"/>
+          <p:cNvSpPr>
+            <a:spLocks noGrp="1"/>
+          </p:cNvSpPr>
+          <p:nvPr>
+            <p:ph type="title"/>
+          </p:nvPr>
+        </p:nvSpPr>
+        <p:spPr/>
+        <p:txBody>
+          <a:bodyPr/>
+          <a:lstStyle/>
+          <a:p>
+            <a:r>
+              <a:rPr lang="en-US" dirty="0" smtClean="0"/>
+              <a:t>Pipes</a:t>
+            </a:r>
+            <a:endParaRPr lang="en-US" dirty="0"/>
+          </a:p>
+        </p:txBody>
+      </p:sp>
+      <p:sp>
+        <p:nvSpPr>
+          <p:cNvPr id="3" name="Content Placeholder 2"/>
+          <p:cNvSpPr>
+            <a:spLocks noGrp="1"/>
+          </p:cNvSpPr>
+          <p:nvPr>
+            <p:ph idx="1"/>
+          </p:nvPr>
+        </p:nvSpPr>
+        <p:spPr/>
+        <p:txBody>
+          <a:bodyPr>
+            <a:normAutofit/>
+          </a:bodyPr>
+          <a:lstStyle/>
+          <a:p>
+            <a:r>
+              <a:rPr lang="en-GB" sz="1600" dirty="0" smtClean="0"/>
+              <a:t>Pipes are basically </a:t>
+            </a:r>
+            <a:r>
+              <a:rPr lang="en-GB" sz="1600" b="1" dirty="0" smtClean="0">
+                <a:solidFill>
+                  <a:srgbClr val="00B050"/>
+                </a:solidFill>
+              </a:rPr>
+              <a:t>filter or formatter </a:t>
+            </a:r>
+            <a:r>
+              <a:rPr lang="en-GB" sz="1600" dirty="0" smtClean="0"/>
+              <a:t>which helps to focus format or transform raw data and display to the user</a:t>
+            </a:r>
+          </a:p>
+          <a:p>
+            <a:r>
+              <a:rPr lang="en-GB" sz="1600" dirty="0" smtClean="0"/>
+              <a:t>Pipes transform displayed values in the template</a:t>
+            </a:r>
+          </a:p>
+          <a:p>
+            <a:r>
+              <a:rPr lang="en-GB" sz="1600" b="1" dirty="0" smtClean="0"/>
+              <a:t>Example:-</a:t>
+            </a:r>
+            <a:r>
+              <a:rPr lang="en-GB" sz="1600" dirty="0" smtClean="0"/>
+              <a:t> Changing name to uppercase</a:t>
+            </a:r>
+          </a:p>
+          <a:p>
+            <a:r>
+              <a:rPr lang="en-GB" sz="1600" dirty="0" smtClean="0"/>
+              <a:t>Changing date to readable format</a:t>
+            </a:r>
+          </a:p>
+        </p:txBody>
+      </p:sp>
+    </p:spTree>
+    <p:extLst>
+      <p:ext uri="{BB962C8B-B14F-4D97-AF65-F5344CB8AC3E}">
+        <p14:creationId xmlns:p14="http://schemas.microsoft.com/office/powerpoint/2010/main" val="3391121717"/>
+      </p:ext>
+    </p:extLst>
+  </p:cSld>
+  <p:clrMapOvr>
+    <a:masterClrMapping/>
+  </p:clrMapOvr>
+  <p:timing>
+    <p:tnLst>
+      <p:par>
+        <p:cTn id="1" dur="indefinite" restart="never" nodeType="tmRoot"/>
+      </p:par>
+    </p:tnLst>
+  </p:timing>
+</p:sld>
+</file>
+
+<file path=ppt/slides/slide11.xml><?xml version="1.0" encoding="utf-8"?>
+<p:sld xmlns:a="http://schemas.openxmlformats.org/drawingml/2006/main" xmlns:r="http://schemas.openxmlformats.org/officeDocument/2006/relationships" xmlns:p="http://schemas.openxmlformats.org/presentationml/2006/main">
+  <p:cSld>
+    <p:spTree>
+      <p:nvGrpSpPr>
+        <p:cNvPr id="1" name=""/>
+        <p:cNvGrpSpPr/>
+        <p:nvPr/>
+      </p:nvGrpSpPr>
+      <p:grpSpPr>
+        <a:xfrm>
+          <a:off x="0" y="0"/>
+          <a:ext cx="0" cy="0"/>
+          <a:chOff x="0" y="0"/>
+          <a:chExt cx="0" cy="0"/>
+        </a:xfrm>
+      </p:grpSpPr>
+      <p:sp>
+        <p:nvSpPr>
+          <p:cNvPr id="2" name="Title 1"/>
+          <p:cNvSpPr>
+            <a:spLocks noGrp="1"/>
+          </p:cNvSpPr>
+          <p:nvPr>
+            <p:ph type="title"/>
+          </p:nvPr>
+        </p:nvSpPr>
+        <p:spPr/>
+        <p:txBody>
+          <a:bodyPr/>
+          <a:lstStyle/>
+          <a:p>
+            <a:r>
+              <a:rPr lang="en-US" dirty="0" smtClean="0"/>
+              <a:t>Forms</a:t>
+            </a:r>
+            <a:endParaRPr lang="en-US" dirty="0"/>
+          </a:p>
+        </p:txBody>
+      </p:sp>
+      <p:sp>
+        <p:nvSpPr>
+          <p:cNvPr id="3" name="Content Placeholder 2"/>
+          <p:cNvSpPr>
+            <a:spLocks noGrp="1"/>
+          </p:cNvSpPr>
+          <p:nvPr>
+            <p:ph idx="1"/>
+          </p:nvPr>
+        </p:nvSpPr>
+        <p:spPr/>
+        <p:txBody>
+          <a:bodyPr>
+            <a:normAutofit/>
+          </a:bodyPr>
+          <a:lstStyle/>
+          <a:p>
+            <a:r>
+              <a:rPr lang="en-GB" sz="1600" dirty="0" smtClean="0"/>
+              <a:t>Different types of forms:-</a:t>
+            </a:r>
+          </a:p>
+          <a:p>
+            <a:pPr>
+              <a:buFont typeface="Wingdings" panose="05000000000000000000" pitchFamily="2" charset="2"/>
+              <a:buChar char="Ø"/>
+            </a:pPr>
+            <a:r>
+              <a:rPr lang="en-GB" sz="1600" dirty="0" smtClean="0"/>
+              <a:t>Template driven forms</a:t>
+            </a:r>
+          </a:p>
+          <a:p>
+            <a:pPr>
+              <a:buFont typeface="Wingdings" panose="05000000000000000000" pitchFamily="2" charset="2"/>
+              <a:buChar char="Ø"/>
+            </a:pPr>
+            <a:r>
+              <a:rPr lang="en-GB" sz="1600" dirty="0" smtClean="0"/>
+              <a:t>Reactive forms</a:t>
+            </a:r>
+          </a:p>
+          <a:p>
+            <a:pPr>
+              <a:buFont typeface="Wingdings" panose="05000000000000000000" pitchFamily="2" charset="2"/>
+              <a:buChar char="Ø"/>
+            </a:pPr>
+            <a:r>
+              <a:rPr lang="en-GB" sz="1600" dirty="0" smtClean="0"/>
+              <a:t>Dynamic forms</a:t>
+            </a:r>
+            <a:endParaRPr lang="en-GB" sz="1600" dirty="0" smtClean="0"/>
+          </a:p>
+        </p:txBody>
+      </p:sp>
+    </p:spTree>
+    <p:extLst>
+      <p:ext uri="{BB962C8B-B14F-4D97-AF65-F5344CB8AC3E}">
+        <p14:creationId xmlns:p14="http://schemas.microsoft.com/office/powerpoint/2010/main" val="1718351024"/>
+      </p:ext>
+    </p:extLst>
+  </p:cSld>
+  <p:clrMapOvr>
+    <a:masterClrMapping/>
+  </p:clrMapOvr>
+  <p:timing>
+    <p:tnLst>
+      <p:par>
+        <p:cTn id="1" dur="indefinite" restart="never" nodeType="tmRoot"/>
+      </p:par>
+    </p:tnLst>
+  </p:timing>
+</p:sld>
+</file>
+
+<file path=ppt/slides/slide12.xml><?xml version="1.0" encoding="utf-8"?>
+<p:sld xmlns:a="http://schemas.openxmlformats.org/drawingml/2006/main" xmlns:r="http://schemas.openxmlformats.org/officeDocument/2006/relationships" xmlns:p="http://schemas.openxmlformats.org/presentationml/2006/main">
+  <p:cSld>
+    <p:spTree>
+      <p:nvGrpSpPr>
+        <p:cNvPr id="1" name=""/>
+        <p:cNvGrpSpPr/>
+        <p:nvPr/>
+      </p:nvGrpSpPr>
+      <p:grpSpPr>
+        <a:xfrm>
+          <a:off x="0" y="0"/>
+          <a:ext cx="0" cy="0"/>
+          <a:chOff x="0" y="0"/>
+          <a:chExt cx="0" cy="0"/>
+        </a:xfrm>
+      </p:grpSpPr>
+      <p:sp>
+        <p:nvSpPr>
+          <p:cNvPr id="2" name="Title 1"/>
+          <p:cNvSpPr>
+            <a:spLocks noGrp="1"/>
+          </p:cNvSpPr>
+          <p:nvPr>
+            <p:ph type="title"/>
+          </p:nvPr>
+        </p:nvSpPr>
+        <p:spPr/>
+        <p:txBody>
+          <a:bodyPr/>
+          <a:lstStyle/>
+          <a:p>
+            <a:r>
+              <a:rPr lang="en-US" dirty="0" smtClean="0"/>
+              <a:t>Observables</a:t>
+            </a:r>
+            <a:endParaRPr lang="en-US" dirty="0"/>
+          </a:p>
+        </p:txBody>
+      </p:sp>
+      <p:sp>
+        <p:nvSpPr>
+          <p:cNvPr id="3" name="Content Placeholder 2"/>
+          <p:cNvSpPr>
+            <a:spLocks noGrp="1"/>
+          </p:cNvSpPr>
+          <p:nvPr>
+            <p:ph idx="1"/>
+          </p:nvPr>
+        </p:nvSpPr>
+        <p:spPr/>
+        <p:txBody>
+          <a:bodyPr>
+            <a:normAutofit/>
+          </a:bodyPr>
+          <a:lstStyle/>
+          <a:p>
+            <a:r>
+              <a:rPr lang="en-GB" sz="1600" dirty="0" smtClean="0"/>
+              <a:t>Subject - </a:t>
+            </a:r>
+            <a:r>
+              <a:rPr lang="en-GB" sz="1600" dirty="0"/>
+              <a:t>a subscriber will only get published values that were emitted </a:t>
+            </a:r>
+            <a:r>
+              <a:rPr lang="en-GB" sz="1600" i="1" dirty="0"/>
+              <a:t>after</a:t>
+            </a:r>
+            <a:r>
+              <a:rPr lang="en-GB" sz="1600" dirty="0"/>
+              <a:t> the </a:t>
+            </a:r>
+            <a:r>
+              <a:rPr lang="en-GB" sz="1600" dirty="0" smtClean="0"/>
+              <a:t>subscription</a:t>
+            </a:r>
+            <a:endParaRPr lang="en-GB" sz="1600" dirty="0" smtClean="0"/>
+          </a:p>
+          <a:p>
+            <a:r>
+              <a:rPr lang="en-GB" sz="1600" dirty="0" err="1" smtClean="0"/>
+              <a:t>BehaviourSubject</a:t>
+            </a:r>
+            <a:r>
+              <a:rPr lang="en-GB" sz="1600" dirty="0"/>
+              <a:t> </a:t>
+            </a:r>
+            <a:r>
+              <a:rPr lang="en-GB" sz="1600" dirty="0" smtClean="0"/>
+              <a:t>- </a:t>
+            </a:r>
+            <a:r>
+              <a:rPr lang="en-GB" sz="1600" dirty="0"/>
+              <a:t>T</a:t>
+            </a:r>
+            <a:r>
+              <a:rPr lang="en-GB" sz="1600" dirty="0" smtClean="0"/>
+              <a:t>he </a:t>
+            </a:r>
+            <a:r>
+              <a:rPr lang="en-GB" sz="1600" dirty="0"/>
+              <a:t>last values is cached. An subscriber will get the latest value upon initial subscription. The semantics for this subject is to represent a value that changes over time. For example a logged in user. The initial user might be an anonymous user. But once a user logs in, then the new value is the authenticated user </a:t>
+            </a:r>
+            <a:r>
+              <a:rPr lang="en-GB" sz="1600" dirty="0" smtClean="0"/>
+              <a:t>state</a:t>
+            </a:r>
+          </a:p>
+          <a:p>
+            <a:r>
+              <a:rPr lang="en-GB" sz="1600" dirty="0" err="1" smtClean="0"/>
+              <a:t>ReplaySubject</a:t>
+            </a:r>
+            <a:r>
+              <a:rPr lang="en-GB" sz="1600" dirty="0" smtClean="0"/>
+              <a:t> – No initial value. </a:t>
+            </a:r>
+            <a:r>
+              <a:rPr lang="en-GB" sz="1600" dirty="0"/>
+              <a:t>I</a:t>
+            </a:r>
+            <a:r>
+              <a:rPr lang="en-GB" sz="1600" dirty="0" smtClean="0"/>
+              <a:t>t </a:t>
+            </a:r>
+            <a:r>
+              <a:rPr lang="en-GB" sz="1600" dirty="0"/>
+              <a:t>can cache up to a specified number of emissions. Any subscribers will get all the cached values upon subscription</a:t>
+            </a:r>
+            <a:endParaRPr lang="en-GB" sz="1600" dirty="0" smtClean="0"/>
+          </a:p>
+        </p:txBody>
+      </p:sp>
+    </p:spTree>
+    <p:extLst>
+      <p:ext uri="{BB962C8B-B14F-4D97-AF65-F5344CB8AC3E}">
+        <p14:creationId xmlns:p14="http://schemas.microsoft.com/office/powerpoint/2010/main" val="3126470081"/>
+      </p:ext>
+    </p:extLst>
+  </p:cSld>
+  <p:clrMapOvr>
+    <a:masterClrMapping/>
+  </p:clrMapOvr>
+  <p:timing>
+    <p:tnLst>
+      <p:par>
+        <p:cTn id="1" dur="indefinite" restart="never" nodeType="tmRoot"/>
+      </p:par>
+    </p:tnLst>
+  </p:timing>
+</p:sld>
+</file>
+
+<file path=ppt/slides/slide13.xml><?xml version="1.0" encoding="utf-8"?>
+<p:sld xmlns:a="http://schemas.openxmlformats.org/drawingml/2006/main" xmlns:r="http://schemas.openxmlformats.org/officeDocument/2006/relationships" xmlns:p="http://schemas.openxmlformats.org/presentationml/2006/main">
+  <p:cSld>
+    <p:spTree>
+      <p:nvGrpSpPr>
+        <p:cNvPr id="1" name=""/>
+        <p:cNvGrpSpPr/>
+        <p:nvPr/>
+      </p:nvGrpSpPr>
+      <p:grpSpPr>
+        <a:xfrm>
+          <a:off x="0" y="0"/>
+          <a:ext cx="0" cy="0"/>
+          <a:chOff x="0" y="0"/>
+          <a:chExt cx="0" cy="0"/>
+        </a:xfrm>
+      </p:grpSpPr>
+      <p:sp>
+        <p:nvSpPr>
+          <p:cNvPr id="2" name="Title 1"/>
+          <p:cNvSpPr>
+            <a:spLocks noGrp="1"/>
+          </p:cNvSpPr>
+          <p:nvPr>
+            <p:ph type="title"/>
+          </p:nvPr>
+        </p:nvSpPr>
+        <p:spPr/>
+        <p:txBody>
+          <a:bodyPr/>
+          <a:lstStyle/>
+          <a:p>
+            <a:r>
+              <a:rPr lang="en-US" dirty="0" smtClean="0"/>
+              <a:t>References</a:t>
+            </a:r>
+            <a:endParaRPr lang="en-US" dirty="0"/>
+          </a:p>
+        </p:txBody>
+      </p:sp>
+      <p:sp>
+        <p:nvSpPr>
+          <p:cNvPr id="3" name="Content Placeholder 2"/>
+          <p:cNvSpPr>
+            <a:spLocks noGrp="1"/>
+          </p:cNvSpPr>
+          <p:nvPr>
+            <p:ph idx="1"/>
+          </p:nvPr>
+        </p:nvSpPr>
+        <p:spPr/>
+        <p:txBody>
+          <a:bodyPr>
+            <a:normAutofit/>
+          </a:bodyPr>
+          <a:lstStyle/>
+          <a:p>
+            <a:r>
+              <a:rPr lang="en-US" sz="1600" dirty="0">
+                <a:hlinkClick r:id="rId2"/>
+              </a:rPr>
+              <a:t>https://</a:t>
+            </a:r>
+            <a:r>
+              <a:rPr lang="en-US" sz="1600" dirty="0" smtClean="0">
+                <a:hlinkClick r:id="rId2"/>
+              </a:rPr>
+              <a:t>angular.io/guide/upgrade</a:t>
+            </a:r>
+            <a:endParaRPr lang="en-US" sz="1600" dirty="0" smtClean="0"/>
+          </a:p>
+          <a:p>
+            <a:r>
+              <a:rPr lang="en-US" sz="1600" dirty="0"/>
+              <a:t>https://stackoverflow.com/questions/48763221/angular-pass-parameter-to-another-component</a:t>
+            </a:r>
+            <a:endParaRPr lang="en-US" sz="1600" dirty="0" smtClean="0"/>
+          </a:p>
+        </p:txBody>
+      </p:sp>
+    </p:spTree>
+    <p:extLst>
+      <p:ext uri="{BB962C8B-B14F-4D97-AF65-F5344CB8AC3E}">
+        <p14:creationId xmlns:p14="http://schemas.microsoft.com/office/powerpoint/2010/main" val="924403351"/>
       </p:ext>
     </p:extLst>
   </p:cSld>
@@ -4065,7 +4995,7 @@
           <a:p>
             <a:r>
               <a:rPr lang="en-US" dirty="0" smtClean="0"/>
-              <a:t>NgModule class</a:t>
+              <a:t>NgModule class - Decorator</a:t>
             </a:r>
             <a:endParaRPr lang="en-US" dirty="0"/>
           </a:p>
@@ -4105,25 +5035,17 @@
           <a:p>
             <a:r>
               <a:rPr lang="en-GB" sz="1600" dirty="0"/>
-              <a:t>Every Angular app has at least one </a:t>
-            </a:r>
-            <a:r>
-              <a:rPr lang="en-GB" sz="1600" dirty="0" err="1"/>
-              <a:t>NgModule</a:t>
-            </a:r>
-            <a:r>
-              <a:rPr lang="en-GB" sz="1600" dirty="0"/>
-              <a:t> class, </a:t>
+              <a:t>Every Angular app has at least one NgModule class, </a:t>
             </a:r>
             <a:r>
               <a:rPr lang="en-GB" sz="1600" dirty="0">
-                <a:hlinkClick r:id="rId2" tooltip="Bootstrapping"/>
+                <a:hlinkClick r:id="rId3" tooltip="Bootstrapping"/>
               </a:rPr>
               <a:t>the </a:t>
             </a:r>
             <a:r>
               <a:rPr lang="en-GB" sz="1600" i="1" dirty="0">
-                <a:hlinkClick r:id="rId2" tooltip="Bootstrapping"/>
+                <a:hlinkClick r:id="rId3" tooltip="Bootstrapping"/>
               </a:rPr>
               <a:t>root module</a:t>
             </a:r>
@@ -4132,8 +5054,202 @@
               <a:t>, conventionally named </a:t>
             </a:r>
             <a:r>
-              <a:rPr lang="en-GB" sz="1600" dirty="0" err="1"/>
+              <a:rPr lang="en-GB" sz="1600" dirty="0" err="1" smtClean="0"/>
               <a:t>AppModule</a:t>
+            </a:r>
+            <a:endParaRPr lang="en-GB" sz="1600" dirty="0" smtClean="0"/>
+          </a:p>
+          <a:p>
+            <a:r>
+              <a:rPr lang="en-GB" sz="1600" dirty="0"/>
+              <a:t>@</a:t>
+            </a:r>
+            <a:r>
+              <a:rPr lang="en-GB" sz="1600" dirty="0">
+                <a:hlinkClick r:id="rId4"/>
+              </a:rPr>
+              <a:t>NgModule</a:t>
+            </a:r>
+            <a:r>
+              <a:rPr lang="en-GB" sz="1600" dirty="0"/>
+              <a:t> takes a metadata object that describes how to compile a component's template and how to create an injector at </a:t>
+            </a:r>
+            <a:r>
+              <a:rPr lang="en-GB" sz="1600" dirty="0" smtClean="0"/>
+              <a:t>runtime</a:t>
+            </a:r>
+          </a:p>
+          <a:p>
+            <a:r>
+              <a:rPr lang="en-GB" sz="1600" dirty="0"/>
+              <a:t>Angular libraries are NgModules, such as </a:t>
+            </a:r>
+            <a:r>
+              <a:rPr lang="en-GB" sz="1600" dirty="0" err="1">
+                <a:hlinkClick r:id="rId5"/>
+              </a:rPr>
+              <a:t>FormsModule</a:t>
+            </a:r>
+            <a:r>
+              <a:rPr lang="en-GB" sz="1600" dirty="0"/>
+              <a:t>, </a:t>
+            </a:r>
+            <a:r>
+              <a:rPr lang="en-GB" sz="1600" dirty="0" err="1">
+                <a:hlinkClick r:id="rId6"/>
+              </a:rPr>
+              <a:t>HttpClientModule</a:t>
+            </a:r>
+            <a:r>
+              <a:rPr lang="en-GB" sz="1600" dirty="0"/>
+              <a:t>, and </a:t>
+            </a:r>
+            <a:r>
+              <a:rPr lang="en-GB" sz="1600" dirty="0" err="1">
+                <a:hlinkClick r:id="rId7"/>
+              </a:rPr>
+              <a:t>RouterModule</a:t>
+            </a:r>
+            <a:r>
+              <a:rPr lang="en-GB" sz="1600" dirty="0"/>
+              <a:t>. Many third-party libraries are available as NgModules such as </a:t>
+            </a:r>
+            <a:r>
+              <a:rPr lang="en-GB" sz="1600" dirty="0">
+                <a:hlinkClick r:id="rId8"/>
+              </a:rPr>
+              <a:t>Material Design</a:t>
+            </a:r>
+            <a:r>
+              <a:rPr lang="en-GB" sz="1600" dirty="0"/>
+              <a:t>, </a:t>
+            </a:r>
+            <a:r>
+              <a:rPr lang="en-GB" sz="1600" dirty="0">
+                <a:hlinkClick r:id="rId9"/>
+              </a:rPr>
+              <a:t>Ionic</a:t>
+            </a:r>
+            <a:r>
+              <a:rPr lang="en-GB" sz="1600" dirty="0"/>
+              <a:t>, and </a:t>
+            </a:r>
+            <a:r>
+              <a:rPr lang="en-GB" sz="1600" dirty="0" smtClean="0">
+                <a:hlinkClick r:id="rId10"/>
+              </a:rPr>
+              <a:t>AngularFire2</a:t>
+            </a:r>
+            <a:endParaRPr lang="en-GB" sz="1600" dirty="0" smtClean="0"/>
+          </a:p>
+          <a:p>
+            <a:r>
+              <a:rPr lang="en-GB" sz="1600" dirty="0" smtClean="0"/>
+              <a:t>Modules add </a:t>
+            </a:r>
+            <a:r>
+              <a:rPr lang="en-GB" sz="1600" b="1" dirty="0" smtClean="0">
+                <a:solidFill>
+                  <a:srgbClr val="00B050"/>
+                </a:solidFill>
+              </a:rPr>
+              <a:t>services</a:t>
+            </a:r>
+            <a:r>
+              <a:rPr lang="en-GB" sz="1600" dirty="0" smtClean="0">
+                <a:solidFill>
+                  <a:srgbClr val="00B050"/>
+                </a:solidFill>
+              </a:rPr>
+              <a:t> </a:t>
+            </a:r>
+            <a:r>
+              <a:rPr lang="en-GB" sz="1600" dirty="0" smtClean="0"/>
+              <a:t>to the application</a:t>
+            </a:r>
+          </a:p>
+          <a:p>
+            <a:r>
+              <a:rPr lang="en-GB" sz="1600" dirty="0"/>
+              <a:t>Modules can be loaded </a:t>
+            </a:r>
+            <a:r>
+              <a:rPr lang="en-GB" sz="1600" dirty="0">
+                <a:solidFill>
+                  <a:srgbClr val="FF0000"/>
+                </a:solidFill>
+              </a:rPr>
+              <a:t>eagerly</a:t>
+            </a:r>
+            <a:r>
+              <a:rPr lang="en-GB" sz="1600" dirty="0"/>
+              <a:t> when the application starts or </a:t>
+            </a:r>
+            <a:r>
+              <a:rPr lang="en-GB" sz="1600" dirty="0">
+                <a:solidFill>
+                  <a:srgbClr val="FF0000"/>
+                </a:solidFill>
+              </a:rPr>
+              <a:t>lazy</a:t>
+            </a:r>
+            <a:r>
+              <a:rPr lang="en-GB" sz="1600" dirty="0"/>
+              <a:t> loaded asynchronously by the </a:t>
+            </a:r>
+            <a:r>
+              <a:rPr lang="en-GB" sz="1600" dirty="0" smtClean="0"/>
+              <a:t>router</a:t>
+            </a:r>
+          </a:p>
+          <a:p>
+            <a:r>
+              <a:rPr lang="en-GB" sz="1600" dirty="0" smtClean="0"/>
+              <a:t>Frequently used NgModules – </a:t>
+            </a:r>
+            <a:r>
+              <a:rPr lang="en-GB" sz="1600" dirty="0" err="1" smtClean="0"/>
+              <a:t>BrowserModule</a:t>
+            </a:r>
+            <a:r>
+              <a:rPr lang="en-GB" sz="1600" dirty="0" smtClean="0"/>
+              <a:t>, </a:t>
+            </a:r>
+            <a:r>
+              <a:rPr lang="en-GB" sz="1600" dirty="0" err="1" smtClean="0"/>
+              <a:t>HttpClientModule</a:t>
+            </a:r>
+            <a:r>
+              <a:rPr lang="en-GB" sz="1600" dirty="0" smtClean="0"/>
+              <a:t>, </a:t>
+            </a:r>
+            <a:r>
+              <a:rPr lang="en-GB" sz="1600" dirty="0" err="1" smtClean="0"/>
+              <a:t>CommonModule</a:t>
+            </a:r>
+            <a:r>
+              <a:rPr lang="en-GB" sz="1600" dirty="0" smtClean="0"/>
+              <a:t>, </a:t>
+            </a:r>
+            <a:r>
+              <a:rPr lang="en-GB" sz="1600" dirty="0" err="1" smtClean="0"/>
+              <a:t>FormsModule</a:t>
+            </a:r>
+            <a:r>
+              <a:rPr lang="en-GB" sz="1600" dirty="0" smtClean="0"/>
+              <a:t>, </a:t>
+            </a:r>
+            <a:r>
+              <a:rPr lang="en-GB" sz="1600" dirty="0" err="1" smtClean="0"/>
+              <a:t>ReactiveFormsModule</a:t>
+            </a:r>
+            <a:r>
+              <a:rPr lang="en-GB" sz="1600" dirty="0" smtClean="0"/>
+              <a:t>, </a:t>
+            </a:r>
+            <a:r>
+              <a:rPr lang="en-GB" sz="1600" dirty="0" err="1" smtClean="0"/>
+              <a:t>RouterModule</a:t>
             </a:r>
             <a:endParaRPr lang="en-GB" sz="1600" dirty="0"/>
           </a:p>
@@ -4329,21 +5445,12 @@
             </a:r>
             <a:r>
               <a:rPr lang="en-GB" sz="1600" dirty="0" smtClean="0"/>
-              <a:t>should be used to pass values from one component to </a:t>
-            </a:r>
-            <a:r>
-              <a:rPr lang="en-GB" sz="1600" dirty="0" smtClean="0"/>
-              <a:t>another which is not in the </a:t>
-            </a:r>
-            <a:r>
-              <a:rPr lang="en-GB" sz="1600" smtClean="0"/>
-              <a:t>same hierarchy</a:t>
-            </a:r>
-            <a:endParaRPr lang="en-GB" sz="1600" dirty="0" smtClean="0"/>
-          </a:p>
-          <a:p>
-            <a:r>
-              <a:rPr lang="en-GB" sz="1600" dirty="0" smtClean="0"/>
+              <a:t>should be used to pass values from one component to another which is not in the same hierarchy</a:t>
+            </a:r>
+          </a:p>
+          <a:p>
+            <a:r>
+              <a:rPr lang="en-GB" sz="1600" b="1" u="sng" dirty="0" smtClean="0"/>
               <a:t>Receiving component:-</a:t>
             </a:r>
           </a:p>
@@ -4402,7 +5509,7 @@
           </a:p>
           <a:p>
             <a:r>
-              <a:rPr lang="en-GB" sz="1600" dirty="0" smtClean="0"/>
+              <a:rPr lang="en-GB" sz="1600" b="1" u="sng" dirty="0" smtClean="0"/>
               <a:t>Sending component:-</a:t>
             </a:r>
           </a:p>
@@ -4522,7 +5629,7 @@
           <a:p>
             <a:r>
               <a:rPr lang="en-US" dirty="0" smtClean="0"/>
-              <a:t>References</a:t>
+              <a:t>Injecting Services</a:t>
             </a:r>
             <a:endParaRPr lang="en-US" dirty="0"/>
           </a:p>
@@ -4546,32 +5653,337 @@
           <a:lstStyle/>
           <a:p>
             <a:r>
-              <a:rPr lang="en-US" sz="1600" dirty="0">
+              <a:rPr lang="en-GB" sz="1600" dirty="0" smtClean="0"/>
+              <a:t>Services can be injected in </a:t>
+            </a:r>
+            <a:r>
+              <a:rPr lang="en-GB" sz="1600" b="1" dirty="0" smtClean="0"/>
+              <a:t>component or module</a:t>
+            </a:r>
+          </a:p>
+          <a:p>
+            <a:r>
+              <a:rPr lang="en-GB" sz="1600" dirty="0" smtClean="0"/>
+              <a:t>Service scope and lifetime</a:t>
+            </a:r>
+          </a:p>
+          <a:p>
+            <a:r>
+              <a:rPr lang="en-GB" sz="1600" dirty="0" smtClean="0"/>
+              <a:t>Component level – limited scope</a:t>
+            </a:r>
+          </a:p>
+          <a:p>
+            <a:r>
+              <a:rPr lang="en-GB" sz="1600" dirty="0" smtClean="0"/>
+              <a:t>Module level – App level scope</a:t>
+            </a:r>
+          </a:p>
+          <a:p>
+            <a:r>
+              <a:rPr lang="en-GB" sz="1600" dirty="0"/>
+              <a:t>Angular module providers (@</a:t>
+            </a:r>
+            <a:r>
+              <a:rPr lang="en-GB" sz="1600" dirty="0" err="1">
                 <a:hlinkClick r:id="rId2"/>
               </a:rPr>
-              <a:t>https://</a:t>
-            </a:r>
-            <a:r>
-              <a:rPr lang="en-US" sz="1600" dirty="0" smtClean="0">
-                <a:hlinkClick r:id="rId2"/>
-              </a:rPr>
-              <a:t>angular.io/guide/upgrade</a:t>
-            </a:r>
-            <a:endParaRPr lang="en-US" sz="1600" dirty="0" smtClean="0"/>
-          </a:p>
-          <a:p>
-            <a:r>
-              <a:rPr lang="en-US" sz="1600" dirty="0"/>
-              <a:t>https://stackoverflow.com/questions/48763221/angular-pass-parameter-to-another-component</a:t>
-            </a:r>
-            <a:endParaRPr lang="en-US" sz="1600" dirty="0" smtClean="0"/>
-          </a:p>
-        </p:txBody>
-      </p:sp>
+              <a:t>NgModule.providers</a:t>
+            </a:r>
+            <a:r>
+              <a:rPr lang="en-GB" sz="1600" dirty="0"/>
+              <a:t>) are registered with the application's root injector. Angular can inject the corresponding services in any class it creates</a:t>
+            </a:r>
+            <a:r>
+              <a:rPr lang="en-GB" sz="1600" dirty="0" smtClean="0"/>
+              <a:t>.</a:t>
+            </a:r>
+          </a:p>
+          <a:p>
+            <a:endParaRPr lang="en-GB" sz="1600" dirty="0"/>
+          </a:p>
+        </p:txBody>
+      </p:sp>
+      <p:pic>
+        <p:nvPicPr>
+          <p:cNvPr id="1027" name="Picture 3"/>
+          <p:cNvPicPr>
+            <a:picLocks noChangeAspect="1" noChangeArrowheads="1"/>
+          </p:cNvPicPr>
+          <p:nvPr/>
+        </p:nvPicPr>
+        <p:blipFill>
+          <a:blip r:embed="rId3">
+            <a:extLst>
+              <a:ext uri="{28A0092B-C50C-407E-A947-70E740481C1C}">
+                <a14:useLocalDpi xmlns:a14="http://schemas.microsoft.com/office/drawing/2010/main" val="0"/>
+              </a:ext>
+            </a:extLst>
+          </a:blip>
+          <a:srcRect/>
+          <a:stretch>
+            <a:fillRect/>
+          </a:stretch>
+        </p:blipFill>
+        <p:spPr bwMode="auto">
+          <a:xfrm>
+            <a:off x="827584" y="3356992"/>
+            <a:ext cx="5013476" cy="2586980"/>
+          </a:xfrm>
+          <a:prstGeom prst="rect">
+            <a:avLst/>
+          </a:prstGeom>
+          <a:noFill/>
+          <a:ln>
+            <a:noFill/>
+          </a:ln>
+          <a:extLst>
+            <a:ext uri="{909E8E84-426E-40DD-AFC4-6F175D3DCCD1}">
+              <a14:hiddenFill xmlns:a14="http://schemas.microsoft.com/office/drawing/2010/main">
+                <a:solidFill>
+                  <a:schemeClr val="accent1"/>
+                </a:solidFill>
+              </a14:hiddenFill>
+            </a:ext>
+            <a:ext uri="{91240B29-F687-4F45-9708-019B960494DF}">
+              <a14:hiddenLine xmlns:a14="http://schemas.microsoft.com/office/drawing/2010/main" w="9525">
+                <a:solidFill>
+                  <a:schemeClr val="tx1"/>
+                </a:solidFill>
+                <a:miter lim="800000"/>
+                <a:headEnd/>
+                <a:tailEnd/>
+              </a14:hiddenLine>
+            </a:ext>
+          </a:extLst>
+        </p:spPr>
+      </p:pic>
     </p:spTree>
     <p:extLst>
       <p:ext uri="{BB962C8B-B14F-4D97-AF65-F5344CB8AC3E}">
-        <p14:creationId xmlns:p14="http://schemas.microsoft.com/office/powerpoint/2010/main" val="924403351"/>
+        <p14:creationId xmlns:p14="http://schemas.microsoft.com/office/powerpoint/2010/main" val="1399027224"/>
+      </p:ext>
+    </p:extLst>
+  </p:cSld>
+  <p:clrMapOvr>
+    <a:masterClrMapping/>
+  </p:clrMapOvr>
+  <p:timing>
+    <p:tnLst>
+      <p:par>
+        <p:cTn id="1" dur="indefinite" restart="never" nodeType="tmRoot"/>
+      </p:par>
+    </p:tnLst>
+  </p:timing>
+</p:sld>
+</file>
+
+<file path=ppt/slides/slide8.xml><?xml version="1.0" encoding="utf-8"?>
+<p:sld xmlns:a="http://schemas.openxmlformats.org/drawingml/2006/main" xmlns:r="http://schemas.openxmlformats.org/officeDocument/2006/relationships" xmlns:p="http://schemas.openxmlformats.org/presentationml/2006/main">
+  <p:cSld>
+    <p:spTree>
+      <p:nvGrpSpPr>
+        <p:cNvPr id="1" name=""/>
+        <p:cNvGrpSpPr/>
+        <p:nvPr/>
+      </p:nvGrpSpPr>
+      <p:grpSpPr>
+        <a:xfrm>
+          <a:off x="0" y="0"/>
+          <a:ext cx="0" cy="0"/>
+          <a:chOff x="0" y="0"/>
+          <a:chExt cx="0" cy="0"/>
+        </a:xfrm>
+      </p:grpSpPr>
+      <p:sp>
+        <p:nvSpPr>
+          <p:cNvPr id="2" name="Title 1"/>
+          <p:cNvSpPr>
+            <a:spLocks noGrp="1"/>
+          </p:cNvSpPr>
+          <p:nvPr>
+            <p:ph type="title"/>
+          </p:nvPr>
+        </p:nvSpPr>
+        <p:spPr/>
+        <p:txBody>
+          <a:bodyPr/>
+          <a:lstStyle/>
+          <a:p>
+            <a:r>
+              <a:rPr lang="en-US" dirty="0" smtClean="0"/>
+              <a:t>Injecting Services</a:t>
+            </a:r>
+            <a:endParaRPr lang="en-US" dirty="0"/>
+          </a:p>
+        </p:txBody>
+      </p:sp>
+      <p:sp>
+        <p:nvSpPr>
+          <p:cNvPr id="3" name="Content Placeholder 2"/>
+          <p:cNvSpPr>
+            <a:spLocks noGrp="1"/>
+          </p:cNvSpPr>
+          <p:nvPr>
+            <p:ph idx="1"/>
+          </p:nvPr>
+        </p:nvSpPr>
+        <p:spPr/>
+        <p:txBody>
+          <a:bodyPr>
+            <a:normAutofit/>
+          </a:bodyPr>
+          <a:lstStyle/>
+          <a:p>
+            <a:r>
+              <a:rPr lang="en-GB" sz="1600" dirty="0"/>
+              <a:t>You're likely to inject the UserService in many places throughout the app and will want to inject the same service instance every time. Providing the UserService with an Angular module is a </a:t>
+            </a:r>
+            <a:r>
+              <a:rPr lang="en-GB" sz="1600" b="1" dirty="0">
+                <a:solidFill>
+                  <a:srgbClr val="00B050"/>
+                </a:solidFill>
+              </a:rPr>
+              <a:t>good </a:t>
+            </a:r>
+            <a:r>
+              <a:rPr lang="en-GB" sz="1600" b="1" dirty="0" smtClean="0">
+                <a:solidFill>
+                  <a:srgbClr val="00B050"/>
+                </a:solidFill>
+              </a:rPr>
+              <a:t>choice</a:t>
+            </a:r>
+          </a:p>
+          <a:p>
+            <a:r>
+              <a:rPr lang="en-GB" sz="1600" b="1" dirty="0" smtClean="0">
+                <a:solidFill>
+                  <a:srgbClr val="00B050"/>
+                </a:solidFill>
+              </a:rPr>
+              <a:t>@provider – </a:t>
+            </a:r>
+            <a:r>
+              <a:rPr lang="en-GB" sz="1600" dirty="0"/>
+              <a:t>should be used </a:t>
+            </a:r>
+            <a:r>
+              <a:rPr lang="en-GB" sz="1600" dirty="0"/>
+              <a:t>t</a:t>
+            </a:r>
+            <a:r>
+              <a:rPr lang="en-GB" sz="1600" dirty="0"/>
+              <a:t>o </a:t>
+            </a:r>
+            <a:r>
+              <a:rPr lang="en-GB" sz="1600" dirty="0"/>
+              <a:t>get the service </a:t>
+            </a:r>
+            <a:r>
+              <a:rPr lang="en-GB" sz="1600" dirty="0" smtClean="0"/>
+              <a:t>in component </a:t>
+            </a:r>
+            <a:endParaRPr lang="en-GB" sz="1600" dirty="0"/>
+          </a:p>
+        </p:txBody>
+      </p:sp>
+    </p:spTree>
+    <p:extLst>
+      <p:ext uri="{BB962C8B-B14F-4D97-AF65-F5344CB8AC3E}">
+        <p14:creationId xmlns:p14="http://schemas.microsoft.com/office/powerpoint/2010/main" val="3041069465"/>
+      </p:ext>
+    </p:extLst>
+  </p:cSld>
+  <p:clrMapOvr>
+    <a:masterClrMapping/>
+  </p:clrMapOvr>
+  <p:timing>
+    <p:tnLst>
+      <p:par>
+        <p:cTn id="1" dur="indefinite" restart="never" nodeType="tmRoot"/>
+      </p:par>
+    </p:tnLst>
+  </p:timing>
+</p:sld>
+</file>
+
+<file path=ppt/slides/slide9.xml><?xml version="1.0" encoding="utf-8"?>
+<p:sld xmlns:a="http://schemas.openxmlformats.org/drawingml/2006/main" xmlns:r="http://schemas.openxmlformats.org/officeDocument/2006/relationships" xmlns:p="http://schemas.openxmlformats.org/presentationml/2006/main">
+  <p:cSld>
+    <p:spTree>
+      <p:nvGrpSpPr>
+        <p:cNvPr id="1" name=""/>
+        <p:cNvGrpSpPr/>
+        <p:nvPr/>
+      </p:nvGrpSpPr>
+      <p:grpSpPr>
+        <a:xfrm>
+          <a:off x="0" y="0"/>
+          <a:ext cx="0" cy="0"/>
+          <a:chOff x="0" y="0"/>
+          <a:chExt cx="0" cy="0"/>
+        </a:xfrm>
+      </p:grpSpPr>
+      <p:sp>
+        <p:nvSpPr>
+          <p:cNvPr id="2" name="Title 1"/>
+          <p:cNvSpPr>
+            <a:spLocks noGrp="1"/>
+          </p:cNvSpPr>
+          <p:nvPr>
+            <p:ph type="title"/>
+          </p:nvPr>
+        </p:nvSpPr>
+        <p:spPr/>
+        <p:txBody>
+          <a:bodyPr/>
+          <a:lstStyle/>
+          <a:p>
+            <a:r>
+              <a:rPr lang="en-US" dirty="0" smtClean="0"/>
+              <a:t>Directives</a:t>
+            </a:r>
+            <a:endParaRPr lang="en-US" dirty="0"/>
+          </a:p>
+        </p:txBody>
+      </p:sp>
+      <p:sp>
+        <p:nvSpPr>
+          <p:cNvPr id="3" name="Content Placeholder 2"/>
+          <p:cNvSpPr>
+            <a:spLocks noGrp="1"/>
+          </p:cNvSpPr>
+          <p:nvPr>
+            <p:ph idx="1"/>
+          </p:nvPr>
+        </p:nvSpPr>
+        <p:spPr/>
+        <p:txBody>
+          <a:bodyPr>
+            <a:normAutofit/>
+          </a:bodyPr>
+          <a:lstStyle/>
+          <a:p>
+            <a:r>
+              <a:rPr lang="en-GB" sz="1600" dirty="0" smtClean="0"/>
+              <a:t>Directives are instructions which tell angular to do something</a:t>
+            </a:r>
+          </a:p>
+          <a:p>
+            <a:r>
+              <a:rPr lang="en-GB" sz="1600" dirty="0" smtClean="0"/>
+              <a:t>Allows you to attach Behaviour to element in the DOM</a:t>
+            </a:r>
+            <a:endParaRPr lang="en-GB" sz="1600" dirty="0"/>
+          </a:p>
+        </p:txBody>
+      </p:sp>
+    </p:spTree>
+    <p:extLst>
+      <p:ext uri="{BB962C8B-B14F-4D97-AF65-F5344CB8AC3E}">
+        <p14:creationId xmlns:p14="http://schemas.microsoft.com/office/powerpoint/2010/main" val="1773520316"/>
       </p:ext>
     </p:extLst>
   </p:cSld>
@@ -4874,4 +6286,289 @@
   <a:objectDefaults/>
   <a:extraClrSchemeLst/>
 </a:theme>
+</file>
+
+<file path=ppt/theme/theme2.xml><?xml version="1.0" encoding="utf-8"?>
+<a:theme xmlns:a="http://schemas.openxmlformats.org/drawingml/2006/main" name="Office Theme">
+  <a:themeElements>
+    <a:clrScheme name="Office">
+      <a:dk1>
+        <a:sysClr val="windowText" lastClr="000000"/>
+      </a:dk1>
+      <a:lt1>
+        <a:sysClr val="window" lastClr="FFFFFF"/>
+      </a:lt1>
+      <a:dk2>
+        <a:srgbClr val="1F497D"/>
+      </a:dk2>
+      <a:lt2>
+        <a:srgbClr val="EEECE1"/>
+      </a:lt2>
+      <a:accent1>
+        <a:srgbClr val="4F81BD"/>
+      </a:accent1>
+      <a:accent2>
+        <a:srgbClr val="C0504D"/>
+      </a:accent2>
+      <a:accent3>
+        <a:srgbClr val="9BBB59"/>
+      </a:accent3>
+      <a:accent4>
+        <a:srgbClr val="8064A2"/>
+      </a:accent4>
+      <a:accent5>
+        <a:srgbClr val="4BACC6"/>
+      </a:accent5>
+      <a:accent6>
+        <a:srgbClr val="F79646"/>
+      </a:accent6>
+      <a:hlink>
+        <a:srgbClr val="0000FF"/>
+      </a:hlink>
+      <a:folHlink>
+        <a:srgbClr val="800080"/>
+      </a:folHlink>
+    </a:clrScheme>
+    <a:fontScheme name="Office">
+      <a:majorFont>
+        <a:latin typeface="Calibri"/>
+        <a:ea typeface=""/>
+        <a:cs typeface=""/>
+        <a:font script="Jpan" typeface="ＭＳ Ｐゴシック"/>
+        <a:font script="Hang" typeface="맑은 고딕"/>
+        <a:font script="Hans" typeface="宋体"/>
+        <a:font script="Hant" typeface="新細明體"/>
+        <a:font script="Arab" typeface="Times New Roman"/>
+        <a:font script="Hebr" typeface="Times New Roman"/>
+        <a:font script="Thai" typeface="Angsana New"/>
+        <a:font script="Ethi" typeface="Nyala"/>
+        <a:font script="Beng" typeface="Vrinda"/>
+        <a:font script="Gujr" typeface="Shruti"/>
+        <a:font script="Khmr" typeface="MoolBoran"/>
+        <a:font script="Knda" typeface="Tunga"/>
+        <a:font script="Guru" typeface="Raavi"/>
+        <a:font script="Cans" typeface="Euphemia"/>
+        <a:font script="Cher" typeface="Plantagenet Cherokee"/>
+        <a:font script="Yiii" typeface="Microsoft Yi Baiti"/>
+        <a:font script="Tibt" typeface="Microsoft Himalaya"/>
+        <a:font script="Thaa" typeface="MV Boli"/>
+        <a:font script="Deva" typeface="Mangal"/>
+        <a:font script="Telu" typeface="Gautami"/>
+        <a:font script="Taml" typeface="Latha"/>
+        <a:font script="Syrc" typeface="Estrangelo Edessa"/>
+        <a:font script="Orya" typeface="Kalinga"/>
+        <a:font script="Mlym" typeface="Kartika"/>
+        <a:font script="Laoo" typeface="DokChampa"/>
+        <a:font script="Sinh" typeface="Iskoola Pota"/>
+        <a:font script="Mong" typeface="Mongolian Baiti"/>
+        <a:font script="Viet" typeface="Times New Roman"/>
+        <a:font script="Uigh" typeface="Microsoft Uighur"/>
+        <a:font script="Geor" typeface="Sylfaen"/>
+      </a:majorFont>
+      <a:minorFont>
+        <a:latin typeface="Calibri"/>
+        <a:ea typeface=""/>
+        <a:cs typeface=""/>
+        <a:font script="Jpan" typeface="ＭＳ Ｐゴシック"/>
+        <a:font script="Hang" typeface="맑은 고딕"/>
+        <a:font script="Hans" typeface="宋体"/>
+        <a:font script="Hant" typeface="新細明體"/>
+        <a:font script="Arab" typeface="Arial"/>
+        <a:font script="Hebr" typeface="Arial"/>
+        <a:font script="Thai" typeface="Cordia New"/>
+        <a:font script="Ethi" typeface="Nyala"/>
+        <a:font script="Beng" typeface="Vrinda"/>
+        <a:font script="Gujr" typeface="Shruti"/>
+        <a:font script="Khmr" typeface="DaunPenh"/>
+        <a:font script="Knda" typeface="Tunga"/>
+        <a:font script="Guru" typeface="Raavi"/>
+        <a:font script="Cans" typeface="Euphemia"/>
+        <a:font script="Cher" typeface="Plantagenet Cherokee"/>
+        <a:font script="Yiii" typeface="Microsoft Yi Baiti"/>
+        <a:font script="Tibt" typeface="Microsoft Himalaya"/>
+        <a:font script="Thaa" typeface="MV Boli"/>
+        <a:font script="Deva" typeface="Mangal"/>
+        <a:font script="Telu" typeface="Gautami"/>
+        <a:font script="Taml" typeface="Latha"/>
+        <a:font script="Syrc" typeface="Estrangelo Edessa"/>
+        <a:font script="Orya" typeface="Kalinga"/>
+        <a:font script="Mlym" typeface="Kartika"/>
+        <a:font script="Laoo" typeface="DokChampa"/>
+        <a:font script="Sinh" typeface="Iskoola Pota"/>
+        <a:font script="Mong" typeface="Mongolian Baiti"/>
+        <a:font script="Viet" typeface="Arial"/>
+        <a:font script="Uigh" typeface="Microsoft Uighur"/>
+        <a:font script="Geor" typeface="Sylfaen"/>
+      </a:minorFont>
+    </a:fontScheme>
+    <a:fmtScheme name="Office">
+      <a:fillStyleLst>
+        <a:solidFill>
+          <a:schemeClr val="phClr"/>
+        </a:solidFill>
+        <a:gradFill rotWithShape="1">
+          <a:gsLst>
+            <a:gs pos="0">
+              <a:schemeClr val="phClr">
+                <a:tint val="50000"/>
+                <a:satMod val="300000"/>
+              </a:schemeClr>
+            </a:gs>
+            <a:gs pos="35000">
+              <a:schemeClr val="phClr">
+                <a:tint val="37000"/>
+                <a:satMod val="300000"/>
+              </a:schemeClr>
+            </a:gs>
+            <a:gs pos="100000">
+              <a:schemeClr val="phClr">
+                <a:tint val="15000"/>
+                <a:satMod val="350000"/>
+              </a:schemeClr>
+            </a:gs>
+          </a:gsLst>
+          <a:lin ang="16200000" scaled="1"/>
+        </a:gradFill>
+        <a:gradFill rotWithShape="1">
+          <a:gsLst>
+            <a:gs pos="0">
+              <a:schemeClr val="phClr">
+                <a:shade val="51000"/>
+                <a:satMod val="130000"/>
+              </a:schemeClr>
+            </a:gs>
+            <a:gs pos="80000">
+              <a:schemeClr val="phClr">
+                <a:shade val="93000"/>
+                <a:satMod val="130000"/>
+              </a:schemeClr>
+            </a:gs>
+            <a:gs pos="100000">
+              <a:schemeClr val="phClr">
+                <a:shade val="94000"/>
+                <a:satMod val="135000"/>
+              </a:schemeClr>
+            </a:gs>
+          </a:gsLst>
+          <a:lin ang="16200000" scaled="0"/>
+        </a:gradFill>
+      </a:fillStyleLst>
+      <a:lnStyleLst>
+        <a:ln w="9525" cap="flat" cmpd="sng" algn="ctr">
+          <a:solidFill>
+            <a:schemeClr val="phClr">
+              <a:shade val="95000"/>
+              <a:satMod val="105000"/>
+            </a:schemeClr>
+          </a:solidFill>
+          <a:prstDash val="solid"/>
+        </a:ln>
+        <a:ln w="25400" cap="flat" cmpd="sng" algn="ctr">
+          <a:solidFill>
+            <a:schemeClr val="phClr"/>
+          </a:solidFill>
+          <a:prstDash val="solid"/>
+        </a:ln>
+        <a:ln w="38100" cap="flat" cmpd="sng" algn="ctr">
+          <a:solidFill>
+            <a:schemeClr val="phClr"/>
+          </a:solidFill>
+          <a:prstDash val="solid"/>
+        </a:ln>
+      </a:lnStyleLst>
+      <a:effectStyleLst>
+        <a:effectStyle>
+          <a:effectLst>
+            <a:outerShdw blurRad="40000" dist="20000" dir="5400000" rotWithShape="0">
+              <a:srgbClr val="000000">
+                <a:alpha val="38000"/>
+              </a:srgbClr>
+            </a:outerShdw>
+          </a:effectLst>
+        </a:effectStyle>
+        <a:effectStyle>
+          <a:effectLst>
+            <a:outerShdw blurRad="40000" dist="23000" dir="5400000" rotWithShape="0">
+              <a:srgbClr val="000000">
+                <a:alpha val="35000"/>
+              </a:srgbClr>
+            </a:outerShdw>
+          </a:effectLst>
+        </a:effectStyle>
+        <a:effectStyle>
+          <a:effectLst>
+            <a:outerShdw blurRad="40000" dist="23000" dir="5400000" rotWithShape="0">
+              <a:srgbClr val="000000">
+                <a:alpha val="35000"/>
+              </a:srgbClr>
+            </a:outerShdw>
+          </a:effectLst>
+          <a:scene3d>
+            <a:camera prst="orthographicFront">
+              <a:rot lat="0" lon="0" rev="0"/>
+            </a:camera>
+            <a:lightRig rig="threePt" dir="t">
+              <a:rot lat="0" lon="0" rev="1200000"/>
+            </a:lightRig>
+          </a:scene3d>
+          <a:sp3d>
+            <a:bevelT w="63500" h="25400"/>
+          </a:sp3d>
+        </a:effectStyle>
+      </a:effectStyleLst>
+      <a:bgFillStyleLst>
+        <a:solidFill>
+          <a:schemeClr val="phClr"/>
+        </a:solidFill>
+        <a:gradFill rotWithShape="1">
+          <a:gsLst>
+            <a:gs pos="0">
+              <a:schemeClr val="phClr">
+                <a:tint val="40000"/>
+                <a:satMod val="350000"/>
+              </a:schemeClr>
+            </a:gs>
+            <a:gs pos="40000">
+              <a:schemeClr val="phClr">
+                <a:tint val="45000"/>
+                <a:shade val="99000"/>
+                <a:satMod val="350000"/>
+              </a:schemeClr>
+            </a:gs>
+            <a:gs pos="100000">
+              <a:schemeClr val="phClr">
+                <a:shade val="20000"/>
+                <a:satMod val="255000"/>
+              </a:schemeClr>
+            </a:gs>
+          </a:gsLst>
+          <a:path path="circle">
+            <a:fillToRect l="50000" t="-80000" r="50000" b="180000"/>
+          </a:path>
+        </a:gradFill>
+        <a:gradFill rotWithShape="1">
+          <a:gsLst>
+            <a:gs pos="0">
+              <a:schemeClr val="phClr">
+                <a:tint val="80000"/>
+                <a:satMod val="300000"/>
+              </a:schemeClr>
+            </a:gs>
+            <a:gs pos="100000">
+              <a:schemeClr val="phClr">
+                <a:shade val="30000"/>
+                <a:satMod val="200000"/>
+              </a:schemeClr>
+            </a:gs>
+          </a:gsLst>
+          <a:path path="circle">
+            <a:fillToRect l="50000" t="50000" r="50000" b="50000"/>
+          </a:path>
+        </a:gradFill>
+      </a:bgFillStyleLst>
+    </a:fmtScheme>
+  </a:themeElements>
+  <a:objectDefaults/>
+  <a:extraClrSchemeLst/>
+</a:theme>
 </file>